--- a/project capstone/Seeking Valuation in US listed companies.pptx
+++ b/project capstone/Seeking Valuation in US listed companies.pptx
@@ -5,30 +5,29 @@
     <p:sldMasterId id="2147483749" r:id="rId1"/>
   </p:sldMasterIdLst>
   <p:notesMasterIdLst>
-    <p:notesMasterId r:id="rId23"/>
+    <p:notesMasterId r:id="rId22"/>
   </p:notesMasterIdLst>
   <p:sldIdLst>
     <p:sldId id="263" r:id="rId2"/>
     <p:sldId id="257" r:id="rId3"/>
     <p:sldId id="264" r:id="rId4"/>
-    <p:sldId id="267" r:id="rId5"/>
-    <p:sldId id="265" r:id="rId6"/>
-    <p:sldId id="268" r:id="rId7"/>
-    <p:sldId id="269" r:id="rId8"/>
-    <p:sldId id="272" r:id="rId9"/>
-    <p:sldId id="271" r:id="rId10"/>
-    <p:sldId id="260" r:id="rId11"/>
-    <p:sldId id="273" r:id="rId12"/>
-    <p:sldId id="261" r:id="rId13"/>
-    <p:sldId id="258" r:id="rId14"/>
-    <p:sldId id="279" r:id="rId15"/>
-    <p:sldId id="275" r:id="rId16"/>
-    <p:sldId id="276" r:id="rId17"/>
-    <p:sldId id="274" r:id="rId18"/>
-    <p:sldId id="277" r:id="rId19"/>
-    <p:sldId id="278" r:id="rId20"/>
-    <p:sldId id="262" r:id="rId21"/>
-    <p:sldId id="280" r:id="rId22"/>
+    <p:sldId id="265" r:id="rId5"/>
+    <p:sldId id="268" r:id="rId6"/>
+    <p:sldId id="269" r:id="rId7"/>
+    <p:sldId id="272" r:id="rId8"/>
+    <p:sldId id="271" r:id="rId9"/>
+    <p:sldId id="260" r:id="rId10"/>
+    <p:sldId id="273" r:id="rId11"/>
+    <p:sldId id="261" r:id="rId12"/>
+    <p:sldId id="258" r:id="rId13"/>
+    <p:sldId id="279" r:id="rId14"/>
+    <p:sldId id="275" r:id="rId15"/>
+    <p:sldId id="276" r:id="rId16"/>
+    <p:sldId id="274" r:id="rId17"/>
+    <p:sldId id="277" r:id="rId18"/>
+    <p:sldId id="278" r:id="rId19"/>
+    <p:sldId id="262" r:id="rId20"/>
+    <p:sldId id="280" r:id="rId21"/>
   </p:sldIdLst>
   <p:sldSz cx="12192000" cy="6858000"/>
   <p:notesSz cx="6858000" cy="9144000"/>
@@ -135,7 +134,6 @@
             <p14:sldId id="263"/>
             <p14:sldId id="257"/>
             <p14:sldId id="264"/>
-            <p14:sldId id="267"/>
             <p14:sldId id="265"/>
             <p14:sldId id="268"/>
             <p14:sldId id="269"/>
@@ -246,7 +244,7 @@
           <a:p>
             <a:fld id="{A2E3F6B3-0524-4484-BA1F-56448743D893}" type="datetimeFigureOut">
               <a:rPr lang="en-SG" smtClean="0"/>
-              <a:t>15/10/2020</a:t>
+              <a:t>7/12/2020</a:t>
             </a:fld>
             <a:endParaRPr lang="en-SG"/>
           </a:p>
@@ -681,7 +679,7 @@
     </p:spTree>
     <p:extLst>
       <p:ext uri="{BB962C8B-B14F-4D97-AF65-F5344CB8AC3E}">
-        <p14:creationId xmlns:p14="http://schemas.microsoft.com/office/powerpoint/2010/main" val="1990564399"/>
+        <p14:creationId xmlns:p14="http://schemas.microsoft.com/office/powerpoint/2010/main" val="175678187"/>
       </p:ext>
     </p:extLst>
   </p:cSld>
@@ -735,7 +733,10 @@
           <a:bodyPr/>
           <a:lstStyle/>
           <a:p>
-            <a:endParaRPr lang="en-SG" dirty="0"/>
+            <a:r>
+              <a:rPr lang="en-SG" dirty="0"/>
+              <a:t>5 </a:t>
+            </a:r>
           </a:p>
         </p:txBody>
       </p:sp>
@@ -746,7 +747,7 @@
             <a:spLocks noGrp="1"/>
           </p:cNvSpPr>
           <p:nvPr>
-            <p:ph type="sldNum" sz="quarter" idx="10"/>
+            <p:ph type="sldNum" sz="quarter" idx="5"/>
           </p:nvPr>
         </p:nvSpPr>
         <p:spPr/>
@@ -756,7 +757,7 @@
           <a:p>
             <a:fld id="{DF32F4E0-BA53-4EC2-977B-28120CD586C8}" type="slidenum">
               <a:rPr lang="en-SG" smtClean="0"/>
-              <a:t>16</a:t>
+              <a:t>19</a:t>
             </a:fld>
             <a:endParaRPr lang="en-SG"/>
           </a:p>
@@ -765,7 +766,7 @@
     </p:spTree>
     <p:extLst>
       <p:ext uri="{BB962C8B-B14F-4D97-AF65-F5344CB8AC3E}">
-        <p14:creationId xmlns:p14="http://schemas.microsoft.com/office/powerpoint/2010/main" val="175678187"/>
+        <p14:creationId xmlns:p14="http://schemas.microsoft.com/office/powerpoint/2010/main" val="1220733145"/>
       </p:ext>
     </p:extLst>
   </p:cSld>
@@ -821,7 +822,15 @@
           <a:p>
             <a:r>
               <a:rPr lang="en-SG" dirty="0"/>
-              <a:t>5 </a:t>
+              <a:t>5 random stocks, turned out to be a double edge sword, it managed to choose all the 5 random </a:t>
+            </a:r>
+            <a:r>
+              <a:rPr lang="en-SG" dirty="0" err="1"/>
+              <a:t>forrest</a:t>
+            </a:r>
+            <a:r>
+              <a:rPr lang="en-SG" dirty="0"/>
+              <a:t> that are doing well </a:t>
             </a:r>
           </a:p>
         </p:txBody>
@@ -844,101 +853,6 @@
             <a:fld id="{DF32F4E0-BA53-4EC2-977B-28120CD586C8}" type="slidenum">
               <a:rPr lang="en-SG" smtClean="0"/>
               <a:t>20</a:t>
-            </a:fld>
-            <a:endParaRPr lang="en-SG"/>
-          </a:p>
-        </p:txBody>
-      </p:sp>
-    </p:spTree>
-    <p:extLst>
-      <p:ext uri="{BB962C8B-B14F-4D97-AF65-F5344CB8AC3E}">
-        <p14:creationId xmlns:p14="http://schemas.microsoft.com/office/powerpoint/2010/main" val="1220733145"/>
-      </p:ext>
-    </p:extLst>
-  </p:cSld>
-  <p:clrMapOvr>
-    <a:masterClrMapping/>
-  </p:clrMapOvr>
-</p:notes>
-</file>
-
-<file path=ppt/notesSlides/notesSlide13.xml><?xml version="1.0" encoding="utf-8"?>
-<p:notes xmlns:a="http://schemas.openxmlformats.org/drawingml/2006/main" xmlns:r="http://schemas.openxmlformats.org/officeDocument/2006/relationships" xmlns:p="http://schemas.openxmlformats.org/presentationml/2006/main">
-  <p:cSld>
-    <p:spTree>
-      <p:nvGrpSpPr>
-        <p:cNvPr id="1" name=""/>
-        <p:cNvGrpSpPr/>
-        <p:nvPr/>
-      </p:nvGrpSpPr>
-      <p:grpSpPr>
-        <a:xfrm>
-          <a:off x="0" y="0"/>
-          <a:ext cx="0" cy="0"/>
-          <a:chOff x="0" y="0"/>
-          <a:chExt cx="0" cy="0"/>
-        </a:xfrm>
-      </p:grpSpPr>
-      <p:sp>
-        <p:nvSpPr>
-          <p:cNvPr id="2" name="Slide Image Placeholder 1"/>
-          <p:cNvSpPr>
-            <a:spLocks noGrp="1" noRot="1" noChangeAspect="1"/>
-          </p:cNvSpPr>
-          <p:nvPr>
-            <p:ph type="sldImg"/>
-          </p:nvPr>
-        </p:nvSpPr>
-        <p:spPr/>
-      </p:sp>
-      <p:sp>
-        <p:nvSpPr>
-          <p:cNvPr id="3" name="Notes Placeholder 2"/>
-          <p:cNvSpPr>
-            <a:spLocks noGrp="1"/>
-          </p:cNvSpPr>
-          <p:nvPr>
-            <p:ph type="body" idx="1"/>
-          </p:nvPr>
-        </p:nvSpPr>
-        <p:spPr/>
-        <p:txBody>
-          <a:bodyPr/>
-          <a:lstStyle/>
-          <a:p>
-            <a:r>
-              <a:rPr lang="en-SG" dirty="0"/>
-              <a:t>5 random stocks, turned out to be a double edge sword, it managed to choose all the 5 random </a:t>
-            </a:r>
-            <a:r>
-              <a:rPr lang="en-SG" dirty="0" err="1"/>
-              <a:t>forrest</a:t>
-            </a:r>
-            <a:r>
-              <a:rPr lang="en-SG" dirty="0"/>
-              <a:t> that are doing well </a:t>
-            </a:r>
-          </a:p>
-        </p:txBody>
-      </p:sp>
-      <p:sp>
-        <p:nvSpPr>
-          <p:cNvPr id="4" name="Slide Number Placeholder 3"/>
-          <p:cNvSpPr>
-            <a:spLocks noGrp="1"/>
-          </p:cNvSpPr>
-          <p:nvPr>
-            <p:ph type="sldNum" sz="quarter" idx="5"/>
-          </p:nvPr>
-        </p:nvSpPr>
-        <p:spPr/>
-        <p:txBody>
-          <a:bodyPr/>
-          <a:lstStyle/>
-          <a:p>
-            <a:fld id="{DF32F4E0-BA53-4EC2-977B-28120CD586C8}" type="slidenum">
-              <a:rPr lang="en-SG" smtClean="0"/>
-              <a:t>21</a:t>
             </a:fld>
             <a:endParaRPr lang="en-SG"/>
           </a:p>
@@ -1085,29 +999,6 @@
           <a:bodyPr/>
           <a:lstStyle/>
           <a:p>
-            <a:pPr marL="0" marR="0" indent="0" algn="l" defTabSz="914400" rtl="0" eaLnBrk="1" fontAlgn="auto" latinLnBrk="0" hangingPunct="1">
-              <a:lnSpc>
-                <a:spcPct val="100000"/>
-              </a:lnSpc>
-              <a:spcBef>
-                <a:spcPts val="0"/>
-              </a:spcBef>
-              <a:spcAft>
-                <a:spcPts val="0"/>
-              </a:spcAft>
-              <a:buClrTx/>
-              <a:buSzTx/>
-              <a:buFontTx/>
-              <a:buNone/>
-              <a:tabLst/>
-              <a:defRPr/>
-            </a:pPr>
-            <a:r>
-              <a:rPr lang="en-SG" dirty="0"/>
-              <a:t>FNVIZ is a browser based stock market platform that provides information of the listed companies in the USA. </a:t>
-            </a:r>
-          </a:p>
-          <a:p>
             <a:endParaRPr lang="en-SG" dirty="0"/>
           </a:p>
         </p:txBody>
@@ -1119,7 +1010,7 @@
             <a:spLocks noGrp="1"/>
           </p:cNvSpPr>
           <p:nvPr>
-            <p:ph type="sldNum" sz="quarter" idx="10"/>
+            <p:ph type="sldNum" sz="quarter" idx="5"/>
           </p:nvPr>
         </p:nvSpPr>
         <p:spPr/>
@@ -1138,7 +1029,7 @@
     </p:spTree>
     <p:extLst>
       <p:ext uri="{BB962C8B-B14F-4D97-AF65-F5344CB8AC3E}">
-        <p14:creationId xmlns:p14="http://schemas.microsoft.com/office/powerpoint/2010/main" val="4224421729"/>
+        <p14:creationId xmlns:p14="http://schemas.microsoft.com/office/powerpoint/2010/main" val="1250711423"/>
       </p:ext>
     </p:extLst>
   </p:cSld>
@@ -1203,7 +1094,7 @@
             <a:spLocks noGrp="1"/>
           </p:cNvSpPr>
           <p:nvPr>
-            <p:ph type="sldNum" sz="quarter" idx="5"/>
+            <p:ph type="sldNum" sz="quarter" idx="10"/>
           </p:nvPr>
         </p:nvSpPr>
         <p:spPr/>
@@ -1222,7 +1113,7 @@
     </p:spTree>
     <p:extLst>
       <p:ext uri="{BB962C8B-B14F-4D97-AF65-F5344CB8AC3E}">
-        <p14:creationId xmlns:p14="http://schemas.microsoft.com/office/powerpoint/2010/main" val="1250711423"/>
+        <p14:creationId xmlns:p14="http://schemas.microsoft.com/office/powerpoint/2010/main" val="421227722"/>
       </p:ext>
     </p:extLst>
   </p:cSld>
@@ -1297,7 +1188,7 @@
           <a:p>
             <a:fld id="{DF32F4E0-BA53-4EC2-977B-28120CD586C8}" type="slidenum">
               <a:rPr lang="en-SG" smtClean="0"/>
-              <a:t>6</a:t>
+              <a:t>7</a:t>
             </a:fld>
             <a:endParaRPr lang="en-SG"/>
           </a:p>
@@ -1306,7 +1197,7 @@
     </p:spTree>
     <p:extLst>
       <p:ext uri="{BB962C8B-B14F-4D97-AF65-F5344CB8AC3E}">
-        <p14:creationId xmlns:p14="http://schemas.microsoft.com/office/powerpoint/2010/main" val="421227722"/>
+        <p14:creationId xmlns:p14="http://schemas.microsoft.com/office/powerpoint/2010/main" val="3213378117"/>
       </p:ext>
     </p:extLst>
   </p:cSld>
@@ -1360,6 +1251,97 @@
           <a:bodyPr/>
           <a:lstStyle/>
           <a:p>
+            <a:r>
+              <a:rPr lang="en-SG" dirty="0"/>
+              <a:t>EPS = The amount of company’s profit per outstanding</a:t>
+            </a:r>
+            <a:r>
+              <a:rPr lang="en-SG" baseline="0" dirty="0"/>
+              <a:t> share for the company fiscal year</a:t>
+            </a:r>
+          </a:p>
+          <a:p>
+            <a:r>
+              <a:rPr lang="en-SG" dirty="0" err="1"/>
+              <a:t>Instituational</a:t>
+            </a:r>
+            <a:r>
+              <a:rPr lang="en-SG" baseline="0" dirty="0"/>
+              <a:t> Ownership = how much of a company is owned by </a:t>
+            </a:r>
+            <a:r>
+              <a:rPr lang="en-SG" baseline="0" dirty="0" err="1"/>
+              <a:t>instititutions</a:t>
+            </a:r>
+            <a:r>
+              <a:rPr lang="en-SG" baseline="0" dirty="0"/>
+              <a:t> , 1 means 100%</a:t>
+            </a:r>
+          </a:p>
+          <a:p>
+            <a:r>
+              <a:rPr lang="en-US" sz="1200" b="0" i="0" kern="1200" dirty="0">
+                <a:solidFill>
+                  <a:schemeClr val="tx1"/>
+                </a:solidFill>
+                <a:effectLst/>
+                <a:latin typeface="+mn-lt"/>
+                <a:ea typeface="+mn-ea"/>
+                <a:cs typeface="+mn-cs"/>
+              </a:rPr>
+              <a:t>Institutional ownership is the amount of a company’s available stock owned by mutual or </a:t>
+            </a:r>
+            <a:r>
+              <a:rPr lang="en-US" sz="1200" b="0" i="0" u="sng" kern="1200" dirty="0">
+                <a:solidFill>
+                  <a:schemeClr val="tx1"/>
+                </a:solidFill>
+                <a:effectLst/>
+                <a:latin typeface="+mn-lt"/>
+                <a:ea typeface="+mn-ea"/>
+                <a:cs typeface="+mn-cs"/>
+                <a:hlinkClick r:id="rId3"/>
+              </a:rPr>
+              <a:t>pension funds</a:t>
+            </a:r>
+            <a:r>
+              <a:rPr lang="en-US" sz="1200" b="0" i="0" kern="1200" dirty="0">
+                <a:solidFill>
+                  <a:schemeClr val="tx1"/>
+                </a:solidFill>
+                <a:effectLst/>
+                <a:latin typeface="+mn-lt"/>
+                <a:ea typeface="+mn-ea"/>
+                <a:cs typeface="+mn-cs"/>
+              </a:rPr>
+              <a:t>, insurance companies, investment firms, private foundations, endowments or other large entities that manage funds on behalf of others.</a:t>
+            </a:r>
+          </a:p>
+          <a:p>
+            <a:r>
+              <a:rPr lang="en-US" sz="1200" b="0" i="0" kern="1200" dirty="0">
+                <a:solidFill>
+                  <a:schemeClr val="tx1"/>
+                </a:solidFill>
+                <a:effectLst/>
+                <a:latin typeface="+mn-lt"/>
+                <a:ea typeface="+mn-ea"/>
+                <a:cs typeface="+mn-cs"/>
+              </a:rPr>
+              <a:t>Gross margin : (sell price</a:t>
+            </a:r>
+            <a:r>
+              <a:rPr lang="en-US" sz="1200" b="0" i="0" kern="1200" baseline="0" dirty="0">
+                <a:solidFill>
+                  <a:schemeClr val="tx1"/>
+                </a:solidFill>
+                <a:effectLst/>
+                <a:latin typeface="+mn-lt"/>
+                <a:ea typeface="+mn-ea"/>
+                <a:cs typeface="+mn-cs"/>
+              </a:rPr>
+              <a:t> – cost) / Cost</a:t>
+            </a:r>
             <a:endParaRPr lang="en-SG" dirty="0"/>
           </a:p>
         </p:txBody>
@@ -1381,7 +1363,7 @@
           <a:p>
             <a:fld id="{DF32F4E0-BA53-4EC2-977B-28120CD586C8}" type="slidenum">
               <a:rPr lang="en-SG" smtClean="0"/>
-              <a:t>8</a:t>
+              <a:t>11</a:t>
             </a:fld>
             <a:endParaRPr lang="en-SG"/>
           </a:p>
@@ -1390,7 +1372,7 @@
     </p:spTree>
     <p:extLst>
       <p:ext uri="{BB962C8B-B14F-4D97-AF65-F5344CB8AC3E}">
-        <p14:creationId xmlns:p14="http://schemas.microsoft.com/office/powerpoint/2010/main" val="3213378117"/>
+        <p14:creationId xmlns:p14="http://schemas.microsoft.com/office/powerpoint/2010/main" val="1784284960"/>
       </p:ext>
     </p:extLst>
   </p:cSld>
@@ -1444,97 +1426,6 @@
           <a:bodyPr/>
           <a:lstStyle/>
           <a:p>
-            <a:r>
-              <a:rPr lang="en-SG" dirty="0"/>
-              <a:t>EPS = The amount of company’s profit per outstanding</a:t>
-            </a:r>
-            <a:r>
-              <a:rPr lang="en-SG" baseline="0" dirty="0"/>
-              <a:t> share for the company fiscal year</a:t>
-            </a:r>
-          </a:p>
-          <a:p>
-            <a:r>
-              <a:rPr lang="en-SG" dirty="0" err="1"/>
-              <a:t>Instituational</a:t>
-            </a:r>
-            <a:r>
-              <a:rPr lang="en-SG" baseline="0" dirty="0"/>
-              <a:t> Ownership = how much of a company is owned by </a:t>
-            </a:r>
-            <a:r>
-              <a:rPr lang="en-SG" baseline="0" dirty="0" err="1"/>
-              <a:t>instititutions</a:t>
-            </a:r>
-            <a:r>
-              <a:rPr lang="en-SG" baseline="0" dirty="0"/>
-              <a:t> , 1 means 100%</a:t>
-            </a:r>
-          </a:p>
-          <a:p>
-            <a:r>
-              <a:rPr lang="en-US" sz="1200" b="0" i="0" kern="1200" dirty="0">
-                <a:solidFill>
-                  <a:schemeClr val="tx1"/>
-                </a:solidFill>
-                <a:effectLst/>
-                <a:latin typeface="+mn-lt"/>
-                <a:ea typeface="+mn-ea"/>
-                <a:cs typeface="+mn-cs"/>
-              </a:rPr>
-              <a:t>Institutional ownership is the amount of a company’s available stock owned by mutual or </a:t>
-            </a:r>
-            <a:r>
-              <a:rPr lang="en-US" sz="1200" b="0" i="0" u="sng" kern="1200" dirty="0">
-                <a:solidFill>
-                  <a:schemeClr val="tx1"/>
-                </a:solidFill>
-                <a:effectLst/>
-                <a:latin typeface="+mn-lt"/>
-                <a:ea typeface="+mn-ea"/>
-                <a:cs typeface="+mn-cs"/>
-                <a:hlinkClick r:id="rId3"/>
-              </a:rPr>
-              <a:t>pension funds</a:t>
-            </a:r>
-            <a:r>
-              <a:rPr lang="en-US" sz="1200" b="0" i="0" kern="1200" dirty="0">
-                <a:solidFill>
-                  <a:schemeClr val="tx1"/>
-                </a:solidFill>
-                <a:effectLst/>
-                <a:latin typeface="+mn-lt"/>
-                <a:ea typeface="+mn-ea"/>
-                <a:cs typeface="+mn-cs"/>
-              </a:rPr>
-              <a:t>, insurance companies, investment firms, private foundations, endowments or other large entities that manage funds on behalf of others.</a:t>
-            </a:r>
-          </a:p>
-          <a:p>
-            <a:r>
-              <a:rPr lang="en-US" sz="1200" b="0" i="0" kern="1200" dirty="0">
-                <a:solidFill>
-                  <a:schemeClr val="tx1"/>
-                </a:solidFill>
-                <a:effectLst/>
-                <a:latin typeface="+mn-lt"/>
-                <a:ea typeface="+mn-ea"/>
-                <a:cs typeface="+mn-cs"/>
-              </a:rPr>
-              <a:t>Gross margin : (sell price</a:t>
-            </a:r>
-            <a:r>
-              <a:rPr lang="en-US" sz="1200" b="0" i="0" kern="1200" baseline="0" dirty="0">
-                <a:solidFill>
-                  <a:schemeClr val="tx1"/>
-                </a:solidFill>
-                <a:effectLst/>
-                <a:latin typeface="+mn-lt"/>
-                <a:ea typeface="+mn-ea"/>
-                <a:cs typeface="+mn-cs"/>
-              </a:rPr>
-              <a:t> – cost) / Cost</a:t>
-            </a:r>
             <a:endParaRPr lang="en-SG" dirty="0"/>
           </a:p>
         </p:txBody>
@@ -1565,7 +1456,7 @@
     </p:spTree>
     <p:extLst>
       <p:ext uri="{BB962C8B-B14F-4D97-AF65-F5344CB8AC3E}">
-        <p14:creationId xmlns:p14="http://schemas.microsoft.com/office/powerpoint/2010/main" val="1784284960"/>
+        <p14:creationId xmlns:p14="http://schemas.microsoft.com/office/powerpoint/2010/main" val="3928615517"/>
       </p:ext>
     </p:extLst>
   </p:cSld>
@@ -1619,6 +1510,45 @@
           <a:bodyPr/>
           <a:lstStyle/>
           <a:p>
+            <a:r>
+              <a:rPr lang="en-US" sz="1200" b="1" i="0" kern="1200" dirty="0">
+                <a:solidFill>
+                  <a:schemeClr val="tx1"/>
+                </a:solidFill>
+                <a:effectLst/>
+                <a:latin typeface="+mn-lt"/>
+                <a:ea typeface="+mn-ea"/>
+                <a:cs typeface="+mn-cs"/>
+              </a:rPr>
+              <a:t>Adjusted R Squared refers to the statistical tool which helps the investors in measuring the extent of the variance of the variable which is dependent that can be explained with the independent variable and it considers the impact of only those independent variables which have an impact on the variation of the dependent variable.</a:t>
+            </a:r>
+          </a:p>
+          <a:p>
+            <a:endParaRPr lang="en-US" sz="1200" b="1" i="0" kern="1200" dirty="0">
+              <a:solidFill>
+                <a:schemeClr val="tx1"/>
+              </a:solidFill>
+              <a:effectLst/>
+              <a:latin typeface="+mn-lt"/>
+              <a:ea typeface="+mn-ea"/>
+              <a:cs typeface="+mn-cs"/>
+            </a:endParaRPr>
+          </a:p>
+          <a:p>
+            <a:r>
+              <a:rPr lang="en-US" sz="1200" b="1" i="0" kern="1200" dirty="0">
+                <a:solidFill>
+                  <a:schemeClr val="tx1"/>
+                </a:solidFill>
+                <a:effectLst/>
+                <a:latin typeface="+mn-lt"/>
+                <a:ea typeface="+mn-ea"/>
+                <a:cs typeface="+mn-cs"/>
+              </a:rPr>
+              <a:t>The higher the R2 Adjusted it means the predictors have higher explanatory power for the predicted value</a:t>
+            </a:r>
+          </a:p>
+          <a:p>
             <a:endParaRPr lang="en-SG" dirty="0"/>
           </a:p>
         </p:txBody>
@@ -1649,7 +1579,7 @@
     </p:spTree>
     <p:extLst>
       <p:ext uri="{BB962C8B-B14F-4D97-AF65-F5344CB8AC3E}">
-        <p14:creationId xmlns:p14="http://schemas.microsoft.com/office/powerpoint/2010/main" val="3928615517"/>
+        <p14:creationId xmlns:p14="http://schemas.microsoft.com/office/powerpoint/2010/main" val="1164350530"/>
       </p:ext>
     </p:extLst>
   </p:cSld>
@@ -1703,45 +1633,6 @@
           <a:bodyPr/>
           <a:lstStyle/>
           <a:p>
-            <a:r>
-              <a:rPr lang="en-US" sz="1200" b="1" i="0" kern="1200" dirty="0">
-                <a:solidFill>
-                  <a:schemeClr val="tx1"/>
-                </a:solidFill>
-                <a:effectLst/>
-                <a:latin typeface="+mn-lt"/>
-                <a:ea typeface="+mn-ea"/>
-                <a:cs typeface="+mn-cs"/>
-              </a:rPr>
-              <a:t>Adjusted R Squared refers to the statistical tool which helps the investors in measuring the extent of the variance of the variable which is dependent that can be explained with the independent variable and it considers the impact of only those independent variables which have an impact on the variation of the dependent variable.</a:t>
-            </a:r>
-          </a:p>
-          <a:p>
-            <a:endParaRPr lang="en-US" sz="1200" b="1" i="0" kern="1200" dirty="0">
-              <a:solidFill>
-                <a:schemeClr val="tx1"/>
-              </a:solidFill>
-              <a:effectLst/>
-              <a:latin typeface="+mn-lt"/>
-              <a:ea typeface="+mn-ea"/>
-              <a:cs typeface="+mn-cs"/>
-            </a:endParaRPr>
-          </a:p>
-          <a:p>
-            <a:r>
-              <a:rPr lang="en-US" sz="1200" b="1" i="0" kern="1200" dirty="0">
-                <a:solidFill>
-                  <a:schemeClr val="tx1"/>
-                </a:solidFill>
-                <a:effectLst/>
-                <a:latin typeface="+mn-lt"/>
-                <a:ea typeface="+mn-ea"/>
-                <a:cs typeface="+mn-cs"/>
-              </a:rPr>
-              <a:t>The higher the R2 Adjusted it means the predictors have higher explanatory power for the predicted value</a:t>
-            </a:r>
-          </a:p>
-          <a:p>
             <a:endParaRPr lang="en-SG" dirty="0"/>
           </a:p>
         </p:txBody>
@@ -1772,7 +1663,7 @@
     </p:spTree>
     <p:extLst>
       <p:ext uri="{BB962C8B-B14F-4D97-AF65-F5344CB8AC3E}">
-        <p14:creationId xmlns:p14="http://schemas.microsoft.com/office/powerpoint/2010/main" val="1164350530"/>
+        <p14:creationId xmlns:p14="http://schemas.microsoft.com/office/powerpoint/2010/main" val="1990564399"/>
       </p:ext>
     </p:extLst>
   </p:cSld>
@@ -10575,7 +10466,7 @@
           <a:p>
             <a:fld id="{248085D3-E12E-4F9B-866B-B8C5B010E2BA}" type="datetimeFigureOut">
               <a:rPr lang="en-SG" smtClean="0"/>
-              <a:t>15/10/2020</a:t>
+              <a:t>7/12/2020</a:t>
             </a:fld>
             <a:endParaRPr lang="en-SG"/>
           </a:p>
@@ -10782,7 +10673,7 @@
           <a:p>
             <a:fld id="{248085D3-E12E-4F9B-866B-B8C5B010E2BA}" type="datetimeFigureOut">
               <a:rPr lang="en-SG" smtClean="0"/>
-              <a:t>15/10/2020</a:t>
+              <a:t>7/12/2020</a:t>
             </a:fld>
             <a:endParaRPr lang="en-SG"/>
           </a:p>
@@ -10962,7 +10853,7 @@
           <a:p>
             <a:fld id="{248085D3-E12E-4F9B-866B-B8C5B010E2BA}" type="datetimeFigureOut">
               <a:rPr lang="en-SG" smtClean="0"/>
-              <a:t>15/10/2020</a:t>
+              <a:t>7/12/2020</a:t>
             </a:fld>
             <a:endParaRPr lang="en-SG"/>
           </a:p>
@@ -11167,7 +11058,7 @@
           <a:p>
             <a:fld id="{248085D3-E12E-4F9B-866B-B8C5B010E2BA}" type="datetimeFigureOut">
               <a:rPr lang="en-SG" smtClean="0"/>
-              <a:t>15/10/2020</a:t>
+              <a:t>7/12/2020</a:t>
             </a:fld>
             <a:endParaRPr lang="en-SG"/>
           </a:p>
@@ -20065,7 +19956,7 @@
           <a:p>
             <a:fld id="{248085D3-E12E-4F9B-866B-B8C5B010E2BA}" type="datetimeFigureOut">
               <a:rPr lang="en-SG" smtClean="0"/>
-              <a:t>15/10/2020</a:t>
+              <a:t>7/12/2020</a:t>
             </a:fld>
             <a:endParaRPr lang="en-SG"/>
           </a:p>
@@ -20339,7 +20230,7 @@
           <a:p>
             <a:fld id="{248085D3-E12E-4F9B-866B-B8C5B010E2BA}" type="datetimeFigureOut">
               <a:rPr lang="en-SG" smtClean="0"/>
-              <a:t>15/10/2020</a:t>
+              <a:t>7/12/2020</a:t>
             </a:fld>
             <a:endParaRPr lang="en-SG"/>
           </a:p>
@@ -20737,7 +20628,7 @@
           <a:p>
             <a:fld id="{248085D3-E12E-4F9B-866B-B8C5B010E2BA}" type="datetimeFigureOut">
               <a:rPr lang="en-SG" smtClean="0"/>
-              <a:t>15/10/2020</a:t>
+              <a:t>7/12/2020</a:t>
             </a:fld>
             <a:endParaRPr lang="en-SG"/>
           </a:p>
@@ -20855,7 +20746,7 @@
           <a:p>
             <a:fld id="{248085D3-E12E-4F9B-866B-B8C5B010E2BA}" type="datetimeFigureOut">
               <a:rPr lang="en-SG" smtClean="0"/>
-              <a:t>15/10/2020</a:t>
+              <a:t>7/12/2020</a:t>
             </a:fld>
             <a:endParaRPr lang="en-SG"/>
           </a:p>
@@ -20950,7 +20841,7 @@
           <a:p>
             <a:fld id="{248085D3-E12E-4F9B-866B-B8C5B010E2BA}" type="datetimeFigureOut">
               <a:rPr lang="en-SG" smtClean="0"/>
-              <a:t>15/10/2020</a:t>
+              <a:t>7/12/2020</a:t>
             </a:fld>
             <a:endParaRPr lang="en-SG"/>
           </a:p>
@@ -21240,7 +21131,7 @@
           <a:p>
             <a:fld id="{248085D3-E12E-4F9B-866B-B8C5B010E2BA}" type="datetimeFigureOut">
               <a:rPr lang="en-SG" smtClean="0"/>
-              <a:t>15/10/2020</a:t>
+              <a:t>7/12/2020</a:t>
             </a:fld>
             <a:endParaRPr lang="en-SG"/>
           </a:p>
@@ -21520,7 +21411,7 @@
           <a:p>
             <a:fld id="{248085D3-E12E-4F9B-866B-B8C5B010E2BA}" type="datetimeFigureOut">
               <a:rPr lang="en-SG" smtClean="0"/>
-              <a:t>15/10/2020</a:t>
+              <a:t>7/12/2020</a:t>
             </a:fld>
             <a:endParaRPr lang="en-SG"/>
           </a:p>
@@ -21770,7 +21661,7 @@
           <a:p>
             <a:fld id="{248085D3-E12E-4F9B-866B-B8C5B010E2BA}" type="datetimeFigureOut">
               <a:rPr lang="en-SG" smtClean="0"/>
-              <a:t>15/10/2020</a:t>
+              <a:t>7/12/2020</a:t>
             </a:fld>
             <a:endParaRPr lang="en-SG"/>
           </a:p>
@@ -22296,7 +22187,15 @@
           <a:p>
             <a:r>
               <a:rPr lang="en-SG" dirty="0"/>
-              <a:t>Market Valuation of Listed Companies on NYSE, AMEX, NASDAQ</a:t>
+              <a:t>SEEKING Valuation </a:t>
+            </a:r>
+            <a:r>
+              <a:rPr lang="en-SG" dirty="0" err="1"/>
+              <a:t>oN</a:t>
+            </a:r>
+            <a:r>
+              <a:rPr lang="en-SG" dirty="0"/>
+              <a:t> Listed Companies on NYSE, AMEX, NASDAQ</a:t>
             </a:r>
           </a:p>
         </p:txBody>
@@ -22327,8 +22226,17 @@
               <a:buNone/>
             </a:pPr>
             <a:r>
+              <a:rPr lang="en-SG" sz="1800" b="1" u="sng" dirty="0"/>
+              <a:t>Jeriel Wong </a:t>
+            </a:r>
+          </a:p>
+          <a:p>
+            <a:pPr marL="914400" lvl="2" indent="0">
+              <a:buNone/>
+            </a:pPr>
+            <a:r>
               <a:rPr lang="en-SG" sz="1800" dirty="0"/>
-              <a:t>DSI 16 – Jeriel Wong </a:t>
+              <a:t>Graduation Project for Data Science Immersive @ General Assembly</a:t>
             </a:r>
           </a:p>
         </p:txBody>
@@ -22400,426 +22308,6 @@
       </p:grpSpPr>
       <p:sp>
         <p:nvSpPr>
-          <p:cNvPr id="7" name="Title 1"/>
-          <p:cNvSpPr txBox="1">
-            <a:spLocks/>
-          </p:cNvSpPr>
-          <p:nvPr/>
-        </p:nvSpPr>
-        <p:spPr>
-          <a:xfrm>
-            <a:off x="888631" y="2349925"/>
-            <a:ext cx="3498979" cy="2456442"/>
-          </a:xfrm>
-          <a:prstGeom prst="rect">
-            <a:avLst/>
-          </a:prstGeom>
-        </p:spPr>
-        <p:txBody>
-          <a:bodyPr vert="horz" lIns="228600" tIns="228600" rIns="228600" bIns="228600" rtlCol="0" anchor="ctr">
-            <a:normAutofit/>
-          </a:bodyPr>
-          <a:lstStyle>
-            <a:lvl1pPr algn="ctr" defTabSz="914400" rtl="0" eaLnBrk="1" latinLnBrk="0" hangingPunct="1">
-              <a:lnSpc>
-                <a:spcPct val="85000"/>
-              </a:lnSpc>
-              <a:spcBef>
-                <a:spcPct val="0"/>
-              </a:spcBef>
-              <a:buNone/>
-              <a:defRPr sz="4000" b="0" i="0" kern="1200" cap="none" spc="-150">
-                <a:solidFill>
-                  <a:srgbClr val="FFFEFF"/>
-                </a:solidFill>
-                <a:effectLst/>
-                <a:latin typeface="+mj-lt"/>
-                <a:ea typeface="+mj-ea"/>
-                <a:cs typeface="+mj-cs"/>
-              </a:defRPr>
-            </a:lvl1pPr>
-          </a:lstStyle>
-          <a:p>
-            <a:r>
-              <a:rPr lang="en-SG" dirty="0"/>
-              <a:t>Data Analysis</a:t>
-            </a:r>
-          </a:p>
-          <a:p>
-            <a:r>
-              <a:rPr lang="en-SG" dirty="0"/>
-              <a:t>via EDA</a:t>
-            </a:r>
-          </a:p>
-        </p:txBody>
-      </p:sp>
-      <p:pic>
-        <p:nvPicPr>
-          <p:cNvPr id="3" name="Picture 2"/>
-          <p:cNvPicPr>
-            <a:picLocks noChangeAspect="1"/>
-          </p:cNvPicPr>
-          <p:nvPr/>
-        </p:nvPicPr>
-        <p:blipFill>
-          <a:blip r:embed="rId2"/>
-          <a:stretch>
-            <a:fillRect/>
-          </a:stretch>
-        </p:blipFill>
-        <p:spPr>
-          <a:xfrm>
-            <a:off x="101141" y="2101843"/>
-            <a:ext cx="9327339" cy="831066"/>
-          </a:xfrm>
-          <a:prstGeom prst="rect">
-            <a:avLst/>
-          </a:prstGeom>
-        </p:spPr>
-      </p:pic>
-      <p:sp>
-        <p:nvSpPr>
-          <p:cNvPr id="6" name="TextBox 5"/>
-          <p:cNvSpPr txBox="1"/>
-          <p:nvPr/>
-        </p:nvSpPr>
-        <p:spPr>
-          <a:xfrm>
-            <a:off x="9574617" y="2194210"/>
-            <a:ext cx="2180277" cy="523220"/>
-          </a:xfrm>
-          <a:prstGeom prst="rect">
-            <a:avLst/>
-          </a:prstGeom>
-          <a:noFill/>
-        </p:spPr>
-        <p:txBody>
-          <a:bodyPr wrap="none" rtlCol="0">
-            <a:spAutoFit/>
-          </a:bodyPr>
-          <a:lstStyle/>
-          <a:p>
-            <a:r>
-              <a:rPr lang="en-SG" sz="1400" dirty="0"/>
-              <a:t>Energy</a:t>
-            </a:r>
-          </a:p>
-          <a:p>
-            <a:r>
-              <a:rPr lang="en-SG" sz="1400" dirty="0"/>
-              <a:t>	Oil &amp; Gas Integrated</a:t>
-            </a:r>
-          </a:p>
-        </p:txBody>
-      </p:sp>
-      <p:pic>
-        <p:nvPicPr>
-          <p:cNvPr id="9" name="Picture 8"/>
-          <p:cNvPicPr>
-            <a:picLocks noChangeAspect="1"/>
-          </p:cNvPicPr>
-          <p:nvPr/>
-        </p:nvPicPr>
-        <p:blipFill rotWithShape="1">
-          <a:blip r:embed="rId3"/>
-          <a:srcRect t="4862" r="1340" b="6683"/>
-          <a:stretch/>
-        </p:blipFill>
-        <p:spPr>
-          <a:xfrm>
-            <a:off x="363121" y="3301549"/>
-            <a:ext cx="9105999" cy="1036320"/>
-          </a:xfrm>
-          <a:prstGeom prst="rect">
-            <a:avLst/>
-          </a:prstGeom>
-        </p:spPr>
-      </p:pic>
-      <p:sp>
-        <p:nvSpPr>
-          <p:cNvPr id="12" name="TextBox 11"/>
-          <p:cNvSpPr txBox="1"/>
-          <p:nvPr/>
-        </p:nvSpPr>
-        <p:spPr>
-          <a:xfrm>
-            <a:off x="9428480" y="3445226"/>
-            <a:ext cx="2637396" cy="523220"/>
-          </a:xfrm>
-          <a:prstGeom prst="rect">
-            <a:avLst/>
-          </a:prstGeom>
-          <a:noFill/>
-        </p:spPr>
-        <p:txBody>
-          <a:bodyPr wrap="square" rtlCol="0">
-            <a:spAutoFit/>
-          </a:bodyPr>
-          <a:lstStyle/>
-          <a:p>
-            <a:r>
-              <a:rPr lang="en-SG" sz="1400" dirty="0"/>
-              <a:t>Healthcare</a:t>
-            </a:r>
-          </a:p>
-          <a:p>
-            <a:r>
-              <a:rPr lang="en-SG" sz="1400" dirty="0"/>
-              <a:t>	Drug Manufacturers</a:t>
-            </a:r>
-          </a:p>
-        </p:txBody>
-      </p:sp>
-      <p:pic>
-        <p:nvPicPr>
-          <p:cNvPr id="10" name="Picture 9"/>
-          <p:cNvPicPr>
-            <a:picLocks noChangeAspect="1"/>
-          </p:cNvPicPr>
-          <p:nvPr/>
-        </p:nvPicPr>
-        <p:blipFill rotWithShape="1">
-          <a:blip r:embed="rId4"/>
-          <a:srcRect r="1307" b="4880"/>
-          <a:stretch/>
-        </p:blipFill>
-        <p:spPr>
-          <a:xfrm>
-            <a:off x="322481" y="4855021"/>
-            <a:ext cx="9146639" cy="1159699"/>
-          </a:xfrm>
-          <a:prstGeom prst="rect">
-            <a:avLst/>
-          </a:prstGeom>
-        </p:spPr>
-      </p:pic>
-      <p:sp>
-        <p:nvSpPr>
-          <p:cNvPr id="13" name="TextBox 12"/>
-          <p:cNvSpPr txBox="1"/>
-          <p:nvPr/>
-        </p:nvSpPr>
-        <p:spPr>
-          <a:xfrm>
-            <a:off x="9694939" y="5173260"/>
-            <a:ext cx="1704313" cy="523220"/>
-          </a:xfrm>
-          <a:prstGeom prst="rect">
-            <a:avLst/>
-          </a:prstGeom>
-          <a:noFill/>
-        </p:spPr>
-        <p:txBody>
-          <a:bodyPr wrap="none" rtlCol="0">
-            <a:spAutoFit/>
-          </a:bodyPr>
-          <a:lstStyle/>
-          <a:p>
-            <a:r>
-              <a:rPr lang="en-SG" sz="1400" dirty="0"/>
-              <a:t>Consumer Defensive</a:t>
-            </a:r>
-          </a:p>
-          <a:p>
-            <a:r>
-              <a:rPr lang="en-SG" sz="1400" dirty="0"/>
-              <a:t>	Discount Stores</a:t>
-            </a:r>
-          </a:p>
-        </p:txBody>
-      </p:sp>
-      <p:sp>
-        <p:nvSpPr>
-          <p:cNvPr id="14" name="Title 13"/>
-          <p:cNvSpPr>
-            <a:spLocks noGrp="1"/>
-          </p:cNvSpPr>
-          <p:nvPr>
-            <p:ph type="title"/>
-          </p:nvPr>
-        </p:nvSpPr>
-        <p:spPr/>
-        <p:txBody>
-          <a:bodyPr/>
-          <a:lstStyle/>
-          <a:p>
-            <a:r>
-              <a:rPr lang="en-SG" dirty="0"/>
-              <a:t>Data Analysis Visualisation - INDUSTRIES</a:t>
-            </a:r>
-          </a:p>
-        </p:txBody>
-      </p:sp>
-      <p:sp>
-        <p:nvSpPr>
-          <p:cNvPr id="15" name="Rectangle 14"/>
-          <p:cNvSpPr/>
-          <p:nvPr/>
-        </p:nvSpPr>
-        <p:spPr>
-          <a:xfrm>
-            <a:off x="1341120" y="2601984"/>
-            <a:ext cx="6289040" cy="162560"/>
-          </a:xfrm>
-          <a:prstGeom prst="rect">
-            <a:avLst/>
-          </a:prstGeom>
-          <a:noFill/>
-          <a:ln>
-            <a:solidFill>
-              <a:srgbClr val="FF0000"/>
-            </a:solidFill>
-          </a:ln>
-        </p:spPr>
-        <p:style>
-          <a:lnRef idx="2">
-            <a:schemeClr val="accent1">
-              <a:shade val="50000"/>
-            </a:schemeClr>
-          </a:lnRef>
-          <a:fillRef idx="1">
-            <a:schemeClr val="accent1"/>
-          </a:fillRef>
-          <a:effectRef idx="0">
-            <a:schemeClr val="accent1"/>
-          </a:effectRef>
-          <a:fontRef idx="minor">
-            <a:schemeClr val="lt1"/>
-          </a:fontRef>
-        </p:style>
-        <p:txBody>
-          <a:bodyPr rtlCol="0" anchor="ctr"/>
-          <a:lstStyle/>
-          <a:p>
-            <a:pPr algn="ctr"/>
-            <a:endParaRPr lang="en-SG"/>
-          </a:p>
-        </p:txBody>
-      </p:sp>
-      <p:sp>
-        <p:nvSpPr>
-          <p:cNvPr id="16" name="Rectangle 15"/>
-          <p:cNvSpPr/>
-          <p:nvPr/>
-        </p:nvSpPr>
-        <p:spPr>
-          <a:xfrm>
-            <a:off x="917600" y="3928997"/>
-            <a:ext cx="8094319" cy="162560"/>
-          </a:xfrm>
-          <a:prstGeom prst="rect">
-            <a:avLst/>
-          </a:prstGeom>
-          <a:noFill/>
-          <a:ln>
-            <a:solidFill>
-              <a:srgbClr val="FF0000"/>
-            </a:solidFill>
-          </a:ln>
-        </p:spPr>
-        <p:style>
-          <a:lnRef idx="2">
-            <a:schemeClr val="accent1">
-              <a:shade val="50000"/>
-            </a:schemeClr>
-          </a:lnRef>
-          <a:fillRef idx="1">
-            <a:schemeClr val="accent1"/>
-          </a:fillRef>
-          <a:effectRef idx="0">
-            <a:schemeClr val="accent1"/>
-          </a:effectRef>
-          <a:fontRef idx="minor">
-            <a:schemeClr val="lt1"/>
-          </a:fontRef>
-        </p:style>
-        <p:txBody>
-          <a:bodyPr rtlCol="0" anchor="ctr"/>
-          <a:lstStyle/>
-          <a:p>
-            <a:pPr algn="ctr"/>
-            <a:endParaRPr lang="en-SG"/>
-          </a:p>
-        </p:txBody>
-      </p:sp>
-      <p:sp>
-        <p:nvSpPr>
-          <p:cNvPr id="17" name="Rectangle 16"/>
-          <p:cNvSpPr/>
-          <p:nvPr/>
-        </p:nvSpPr>
-        <p:spPr>
-          <a:xfrm>
-            <a:off x="1024128" y="5473306"/>
-            <a:ext cx="6289040" cy="162560"/>
-          </a:xfrm>
-          <a:prstGeom prst="rect">
-            <a:avLst/>
-          </a:prstGeom>
-          <a:noFill/>
-          <a:ln>
-            <a:solidFill>
-              <a:srgbClr val="FF0000"/>
-            </a:solidFill>
-          </a:ln>
-        </p:spPr>
-        <p:style>
-          <a:lnRef idx="2">
-            <a:schemeClr val="accent1">
-              <a:shade val="50000"/>
-            </a:schemeClr>
-          </a:lnRef>
-          <a:fillRef idx="1">
-            <a:schemeClr val="accent1"/>
-          </a:fillRef>
-          <a:effectRef idx="0">
-            <a:schemeClr val="accent1"/>
-          </a:effectRef>
-          <a:fontRef idx="minor">
-            <a:schemeClr val="lt1"/>
-          </a:fontRef>
-        </p:style>
-        <p:txBody>
-          <a:bodyPr rtlCol="0" anchor="ctr"/>
-          <a:lstStyle/>
-          <a:p>
-            <a:pPr algn="ctr"/>
-            <a:endParaRPr lang="en-SG"/>
-          </a:p>
-        </p:txBody>
-      </p:sp>
-    </p:spTree>
-    <p:extLst>
-      <p:ext uri="{BB962C8B-B14F-4D97-AF65-F5344CB8AC3E}">
-        <p14:creationId xmlns:p14="http://schemas.microsoft.com/office/powerpoint/2010/main" val="1587107301"/>
-      </p:ext>
-    </p:extLst>
-  </p:cSld>
-  <p:clrMapOvr>
-    <a:masterClrMapping/>
-  </p:clrMapOvr>
-</p:sld>
-</file>
-
-<file path=ppt/slides/slide11.xml><?xml version="1.0" encoding="utf-8"?>
-<p:sld xmlns:a="http://schemas.openxmlformats.org/drawingml/2006/main" xmlns:r="http://schemas.openxmlformats.org/officeDocument/2006/relationships" xmlns:p="http://schemas.openxmlformats.org/presentationml/2006/main">
-  <p:cSld>
-    <p:spTree>
-      <p:nvGrpSpPr>
-        <p:cNvPr id="1" name=""/>
-        <p:cNvGrpSpPr/>
-        <p:nvPr/>
-      </p:nvGrpSpPr>
-      <p:grpSpPr>
-        <a:xfrm>
-          <a:off x="0" y="0"/>
-          <a:ext cx="0" cy="0"/>
-          <a:chOff x="0" y="0"/>
-          <a:chExt cx="0" cy="0"/>
-        </a:xfrm>
-      </p:grpSpPr>
-      <p:sp>
-        <p:nvSpPr>
           <p:cNvPr id="2" name="Title 1"/>
           <p:cNvSpPr>
             <a:spLocks noGrp="1"/>
@@ -22830,12 +22318,21 @@
         </p:nvSpPr>
         <p:spPr/>
         <p:txBody>
-          <a:bodyPr/>
+          <a:bodyPr>
+            <a:normAutofit fontScale="90000"/>
+          </a:bodyPr>
           <a:lstStyle/>
           <a:p>
             <a:r>
               <a:rPr lang="en-SG" dirty="0"/>
-              <a:t>Data Analysis Visualisation - INDUSTRIES</a:t>
+              <a:t>Data Analysis Visualisation</a:t>
+            </a:r>
+            <a:br>
+              <a:rPr lang="en-SG" dirty="0"/>
+            </a:br>
+            <a:r>
+              <a:rPr lang="en-SG" dirty="0"/>
+              <a:t>- industry overview – with highest market cap</a:t>
             </a:r>
           </a:p>
         </p:txBody>
@@ -23165,7 +22662,7 @@
 </p:sld>
 </file>
 
-<file path=ppt/slides/slide12.xml><?xml version="1.0" encoding="utf-8"?>
+<file path=ppt/slides/slide11.xml><?xml version="1.0" encoding="utf-8"?>
 <p:sld xmlns:a="http://schemas.openxmlformats.org/drawingml/2006/main" xmlns:r="http://schemas.openxmlformats.org/officeDocument/2006/relationships" xmlns:p="http://schemas.openxmlformats.org/presentationml/2006/main">
   <p:cSld>
     <p:spTree>
@@ -23206,7 +22703,7 @@
           <a:p>
             <a:r>
               <a:rPr lang="en-SG" dirty="0"/>
-              <a:t>Data Analysis Visualisation – Financial VITALS</a:t>
+              <a:t>Data Analysis Visualisation – Financial INDICATORS - CORRELATION </a:t>
             </a:r>
           </a:p>
         </p:txBody>
@@ -23392,7 +22889,7 @@
 </p:sld>
 </file>
 
-<file path=ppt/slides/slide13.xml><?xml version="1.0" encoding="utf-8"?>
+<file path=ppt/slides/slide12.xml><?xml version="1.0" encoding="utf-8"?>
 <p:sld xmlns:a="http://schemas.openxmlformats.org/drawingml/2006/main" xmlns:r="http://schemas.openxmlformats.org/officeDocument/2006/relationships" xmlns:p="http://schemas.openxmlformats.org/presentationml/2006/main">
   <p:cSld>
     <p:spTree>
@@ -23538,7 +23035,7 @@
 </p:sld>
 </file>
 
-<file path=ppt/slides/slide14.xml><?xml version="1.0" encoding="utf-8"?>
+<file path=ppt/slides/slide13.xml><?xml version="1.0" encoding="utf-8"?>
 <p:sld xmlns:a="http://schemas.openxmlformats.org/drawingml/2006/main" xmlns:r="http://schemas.openxmlformats.org/officeDocument/2006/relationships" xmlns:p="http://schemas.openxmlformats.org/presentationml/2006/main">
   <p:cSld>
     <p:spTree>
@@ -23785,7 +23282,7 @@
 </p:sld>
 </file>
 
-<file path=ppt/slides/slide15.xml><?xml version="1.0" encoding="utf-8"?>
+<file path=ppt/slides/slide14.xml><?xml version="1.0" encoding="utf-8"?>
 <p:sld xmlns:a="http://schemas.openxmlformats.org/drawingml/2006/main" xmlns:r="http://schemas.openxmlformats.org/officeDocument/2006/relationships" xmlns:p="http://schemas.openxmlformats.org/presentationml/2006/main">
   <p:cSld>
     <p:spTree>
@@ -24021,7 +23518,7 @@
 </p:sld>
 </file>
 
-<file path=ppt/slides/slide16.xml><?xml version="1.0" encoding="utf-8"?>
+<file path=ppt/slides/slide15.xml><?xml version="1.0" encoding="utf-8"?>
 <p:sld xmlns:a="http://schemas.openxmlformats.org/drawingml/2006/main" xmlns:r="http://schemas.openxmlformats.org/officeDocument/2006/relationships" xmlns:p="http://schemas.openxmlformats.org/presentationml/2006/main">
   <p:cSld>
     <p:spTree>
@@ -24302,7 +23799,7 @@
 </p:sld>
 </file>
 
-<file path=ppt/slides/slide17.xml><?xml version="1.0" encoding="utf-8"?>
+<file path=ppt/slides/slide16.xml><?xml version="1.0" encoding="utf-8"?>
 <p:sld xmlns:a="http://schemas.openxmlformats.org/drawingml/2006/main" xmlns:r="http://schemas.openxmlformats.org/officeDocument/2006/relationships" xmlns:p="http://schemas.openxmlformats.org/presentationml/2006/main">
   <p:cSld>
     <p:spTree>
@@ -24546,7 +24043,7 @@
 </p:sld>
 </file>
 
-<file path=ppt/slides/slide18.xml><?xml version="1.0" encoding="utf-8"?>
+<file path=ppt/slides/slide17.xml><?xml version="1.0" encoding="utf-8"?>
 <p:sld xmlns:a="http://schemas.openxmlformats.org/drawingml/2006/main" xmlns:r="http://schemas.openxmlformats.org/officeDocument/2006/relationships" xmlns:p="http://schemas.openxmlformats.org/presentationml/2006/main">
   <p:cSld>
     <p:spTree>
@@ -24800,7 +24297,7 @@
 </p:sld>
 </file>
 
-<file path=ppt/slides/slide19.xml><?xml version="1.0" encoding="utf-8"?>
+<file path=ppt/slides/slide18.xml><?xml version="1.0" encoding="utf-8"?>
 <p:sld xmlns:a="http://schemas.openxmlformats.org/drawingml/2006/main" xmlns:r="http://schemas.openxmlformats.org/officeDocument/2006/relationships" xmlns:p="http://schemas.openxmlformats.org/presentationml/2006/main">
   <p:cSld>
     <p:spTree>
@@ -25035,6 +24532,129 @@
     <p:extLst>
       <p:ext uri="{BB962C8B-B14F-4D97-AF65-F5344CB8AC3E}">
         <p14:creationId xmlns:p14="http://schemas.microsoft.com/office/powerpoint/2010/main" val="2162518239"/>
+      </p:ext>
+    </p:extLst>
+  </p:cSld>
+  <p:clrMapOvr>
+    <a:masterClrMapping/>
+  </p:clrMapOvr>
+</p:sld>
+</file>
+
+<file path=ppt/slides/slide19.xml><?xml version="1.0" encoding="utf-8"?>
+<p:sld xmlns:a="http://schemas.openxmlformats.org/drawingml/2006/main" xmlns:r="http://schemas.openxmlformats.org/officeDocument/2006/relationships" xmlns:p="http://schemas.openxmlformats.org/presentationml/2006/main">
+  <p:cSld>
+    <p:spTree>
+      <p:nvGrpSpPr>
+        <p:cNvPr id="1" name=""/>
+        <p:cNvGrpSpPr/>
+        <p:nvPr/>
+      </p:nvGrpSpPr>
+      <p:grpSpPr>
+        <a:xfrm>
+          <a:off x="0" y="0"/>
+          <a:ext cx="0" cy="0"/>
+          <a:chOff x="0" y="0"/>
+          <a:chExt cx="0" cy="0"/>
+        </a:xfrm>
+      </p:grpSpPr>
+      <p:sp>
+        <p:nvSpPr>
+          <p:cNvPr id="2" name="Title 1"/>
+          <p:cNvSpPr>
+            <a:spLocks noGrp="1"/>
+          </p:cNvSpPr>
+          <p:nvPr>
+            <p:ph type="title"/>
+          </p:nvPr>
+        </p:nvSpPr>
+        <p:spPr/>
+        <p:txBody>
+          <a:bodyPr/>
+          <a:lstStyle/>
+          <a:p>
+            <a:r>
+              <a:rPr lang="en-SG" dirty="0"/>
+              <a:t>CONCLUSION</a:t>
+            </a:r>
+          </a:p>
+        </p:txBody>
+      </p:sp>
+      <p:sp>
+        <p:nvSpPr>
+          <p:cNvPr id="3" name="Content Placeholder 2"/>
+          <p:cNvSpPr>
+            <a:spLocks noGrp="1"/>
+          </p:cNvSpPr>
+          <p:nvPr>
+            <p:ph idx="1"/>
+          </p:nvPr>
+        </p:nvSpPr>
+        <p:spPr>
+          <a:xfrm>
+            <a:off x="907396" y="1957139"/>
+            <a:ext cx="10002174" cy="3514669"/>
+          </a:xfrm>
+        </p:spPr>
+        <p:txBody>
+          <a:bodyPr>
+            <a:normAutofit/>
+          </a:bodyPr>
+          <a:lstStyle/>
+          <a:p>
+            <a:r>
+              <a:rPr lang="en-SG" dirty="0"/>
+              <a:t>Overview</a:t>
+            </a:r>
+          </a:p>
+          <a:p>
+            <a:r>
+              <a:rPr lang="en-SG" dirty="0"/>
+              <a:t>- Random forest, </a:t>
+            </a:r>
+          </a:p>
+          <a:p>
+            <a:r>
+              <a:rPr lang="en-SG" dirty="0"/>
+              <a:t>- Identifying the top determinants of Market Capitalisation</a:t>
+            </a:r>
+          </a:p>
+          <a:p>
+            <a:r>
+              <a:rPr lang="en-SG" dirty="0"/>
+              <a:t>- Predicted Market Cap allows:</a:t>
+            </a:r>
+          </a:p>
+          <a:p>
+            <a:r>
+              <a:rPr lang="en-SG" dirty="0"/>
+              <a:t>-	Going long on under-valued companies </a:t>
+            </a:r>
+          </a:p>
+          <a:p>
+            <a:r>
+              <a:rPr lang="en-SG" dirty="0"/>
+              <a:t>-	Target level for exit on investment</a:t>
+            </a:r>
+          </a:p>
+          <a:p>
+            <a:r>
+              <a:rPr lang="en-SG" dirty="0"/>
+              <a:t>-	Going short on over-valued companies </a:t>
+            </a:r>
+          </a:p>
+          <a:p>
+            <a:pPr marL="0" indent="0">
+              <a:buNone/>
+            </a:pPr>
+            <a:endParaRPr lang="en-SG" dirty="0"/>
+          </a:p>
+        </p:txBody>
+      </p:sp>
+    </p:spTree>
+    <p:extLst>
+      <p:ext uri="{BB962C8B-B14F-4D97-AF65-F5344CB8AC3E}">
+        <p14:creationId xmlns:p14="http://schemas.microsoft.com/office/powerpoint/2010/main" val="2500785088"/>
       </p:ext>
     </p:extLst>
   </p:cSld>
@@ -25811,7 +25431,11 @@
           </a:lstStyle>
           <a:p>
             <a:r>
-              <a:rPr lang="en-SG" dirty="0"/>
+              <a:rPr lang="en-SG" dirty="0">
+                <a:solidFill>
+                  <a:srgbClr val="00B050"/>
+                </a:solidFill>
+              </a:rPr>
               <a:t>Non-Savvy</a:t>
             </a:r>
           </a:p>
@@ -26055,7 +25679,11 @@
           </a:lstStyle>
           <a:p>
             <a:r>
-              <a:rPr lang="en-SG" dirty="0"/>
+              <a:rPr lang="en-SG" dirty="0">
+                <a:solidFill>
+                  <a:srgbClr val="00B050"/>
+                </a:solidFill>
+              </a:rPr>
               <a:t>Savvy</a:t>
             </a:r>
           </a:p>
@@ -27634,7 +27262,7 @@
         </p:nvCxnSpPr>
         <p:spPr>
           <a:xfrm flipH="1">
-            <a:off x="2356394" y="4091707"/>
+            <a:off x="2276493" y="4174476"/>
             <a:ext cx="203926" cy="644763"/>
           </a:xfrm>
           <a:prstGeom prst="straightConnector1">
@@ -27860,135 +27488,6 @@
       </p:grpSpPr>
       <p:sp>
         <p:nvSpPr>
-          <p:cNvPr id="2" name="Title 1"/>
-          <p:cNvSpPr>
-            <a:spLocks noGrp="1"/>
-          </p:cNvSpPr>
-          <p:nvPr>
-            <p:ph type="title"/>
-          </p:nvPr>
-        </p:nvSpPr>
-        <p:spPr/>
-        <p:txBody>
-          <a:bodyPr/>
-          <a:lstStyle/>
-          <a:p>
-            <a:r>
-              <a:rPr lang="en-SG" dirty="0"/>
-              <a:t>CONCLUSION</a:t>
-            </a:r>
-          </a:p>
-        </p:txBody>
-      </p:sp>
-      <p:sp>
-        <p:nvSpPr>
-          <p:cNvPr id="3" name="Content Placeholder 2"/>
-          <p:cNvSpPr>
-            <a:spLocks noGrp="1"/>
-          </p:cNvSpPr>
-          <p:nvPr>
-            <p:ph idx="1"/>
-          </p:nvPr>
-        </p:nvSpPr>
-        <p:spPr>
-          <a:xfrm>
-            <a:off x="907396" y="1957139"/>
-            <a:ext cx="10002174" cy="3514669"/>
-          </a:xfrm>
-        </p:spPr>
-        <p:txBody>
-          <a:bodyPr>
-            <a:normAutofit fontScale="92500" lnSpcReduction="20000"/>
-          </a:bodyPr>
-          <a:lstStyle/>
-          <a:p>
-            <a:r>
-              <a:rPr lang="en-SG" dirty="0"/>
-              <a:t>Overview</a:t>
-            </a:r>
-          </a:p>
-          <a:p>
-            <a:r>
-              <a:rPr lang="en-SG" dirty="0"/>
-              <a:t>- Random forest, 5/5 on track on going up, with 1 of the companies hitting the predicted price. </a:t>
-            </a:r>
-          </a:p>
-          <a:p>
-            <a:r>
-              <a:rPr lang="en-SG" dirty="0"/>
-              <a:t>- A super star, WHD, the only model predicted that the market cap should increase, all others predicted a lower valuation. </a:t>
-            </a:r>
-          </a:p>
-          <a:p>
-            <a:r>
-              <a:rPr lang="en-SG" dirty="0"/>
-              <a:t>- Understanding which financial vitals</a:t>
-            </a:r>
-          </a:p>
-          <a:p>
-            <a:r>
-              <a:rPr lang="en-SG" dirty="0"/>
-              <a:t>-Predicted Market Cap</a:t>
-            </a:r>
-          </a:p>
-          <a:p>
-            <a:r>
-              <a:rPr lang="en-SG" dirty="0"/>
-              <a:t>-	Know which companies to buy </a:t>
-            </a:r>
-          </a:p>
-          <a:p>
-            <a:r>
-              <a:rPr lang="en-SG" dirty="0"/>
-              <a:t>-	Know when to take profit</a:t>
-            </a:r>
-          </a:p>
-          <a:p>
-            <a:r>
-              <a:rPr lang="en-SG" dirty="0"/>
-              <a:t>-	Going short on companies over-valued </a:t>
-            </a:r>
-          </a:p>
-          <a:p>
-            <a:pPr marL="0" indent="0">
-              <a:buNone/>
-            </a:pPr>
-            <a:endParaRPr lang="en-SG" dirty="0"/>
-          </a:p>
-        </p:txBody>
-      </p:sp>
-    </p:spTree>
-    <p:extLst>
-      <p:ext uri="{BB962C8B-B14F-4D97-AF65-F5344CB8AC3E}">
-        <p14:creationId xmlns:p14="http://schemas.microsoft.com/office/powerpoint/2010/main" val="2500785088"/>
-      </p:ext>
-    </p:extLst>
-  </p:cSld>
-  <p:clrMapOvr>
-    <a:masterClrMapping/>
-  </p:clrMapOvr>
-</p:sld>
-</file>
-
-<file path=ppt/slides/slide21.xml><?xml version="1.0" encoding="utf-8"?>
-<p:sld xmlns:a="http://schemas.openxmlformats.org/drawingml/2006/main" xmlns:r="http://schemas.openxmlformats.org/officeDocument/2006/relationships" xmlns:p="http://schemas.openxmlformats.org/presentationml/2006/main">
-  <p:cSld>
-    <p:spTree>
-      <p:nvGrpSpPr>
-        <p:cNvPr id="1" name=""/>
-        <p:cNvGrpSpPr/>
-        <p:nvPr/>
-      </p:nvGrpSpPr>
-      <p:grpSpPr>
-        <a:xfrm>
-          <a:off x="0" y="0"/>
-          <a:ext cx="0" cy="0"/>
-          <a:chOff x="0" y="0"/>
-          <a:chExt cx="0" cy="0"/>
-        </a:xfrm>
-      </p:grpSpPr>
-      <p:sp>
-        <p:nvSpPr>
           <p:cNvPr id="2" name="Title 1">
             <a:extLst>
               <a:ext uri="{FF2B5EF4-FFF2-40B4-BE49-F238E27FC236}">
@@ -28040,7 +27539,7 @@
         </p:spPr>
         <p:txBody>
           <a:bodyPr vert="horz" lIns="45720" tIns="45720" rIns="45720" bIns="45720" rtlCol="0">
-            <a:normAutofit/>
+            <a:normAutofit fontScale="92500" lnSpcReduction="10000"/>
           </a:bodyPr>
           <a:lstStyle>
             <a:lvl1pPr marL="91440" indent="-91440" algn="l" defTabSz="914400" rtl="0" eaLnBrk="1" latinLnBrk="0" hangingPunct="1">
@@ -28268,28 +27767,48 @@
             </a:r>
           </a:p>
           <a:p>
+            <a:pPr marL="0" indent="0">
+              <a:buNone/>
+            </a:pPr>
+            <a:r>
+              <a:rPr lang="en-SG" b="1" dirty="0"/>
+              <a:t> </a:t>
+            </a:r>
+            <a:r>
+              <a:rPr lang="en-SG" b="1" u="sng" dirty="0"/>
+              <a:t>Under US$5 billion market </a:t>
+            </a:r>
+            <a:r>
+              <a:rPr lang="en-SG" b="1" u="sng" dirty="0" err="1"/>
+              <a:t>capilisation</a:t>
+            </a:r>
+            <a:r>
+              <a:rPr lang="en-SG" b="1" u="sng" dirty="0"/>
+              <a:t> analysis: </a:t>
+            </a:r>
+          </a:p>
+          <a:p>
+            <a:pPr lvl="1"/>
             <a:r>
               <a:rPr lang="en-SG" dirty="0"/>
-              <a:t>- Companies under US$5 billion</a:t>
+              <a:t>Companies studied were under US$5 billion, as the number of companies that are &lt;US$5 billion leads to a right-skewed tail distribution.</a:t>
             </a:r>
           </a:p>
           <a:p>
+            <a:r>
+              <a:rPr lang="en-SG" b="1" u="sng" dirty="0"/>
+              <a:t>Time Expiration</a:t>
+            </a:r>
+          </a:p>
+          <a:p>
+            <a:pPr lvl="1"/>
             <a:r>
               <a:rPr lang="en-SG" dirty="0"/>
-              <a:t>- Time Expiration </a:t>
+              <a:t>Financial data changes every quarterly for companies, hence the predicted market capitalisation will hold till the next financial quarter</a:t>
             </a:r>
           </a:p>
           <a:p>
-            <a:r>
-              <a:rPr lang="en-SG" dirty="0"/>
-              <a:t>- 5 random stocks</a:t>
-            </a:r>
-          </a:p>
-          <a:p>
-            <a:r>
-              <a:rPr lang="en-SG" dirty="0"/>
-              <a:t>- Deep Learning Parameters</a:t>
-            </a:r>
+            <a:endParaRPr lang="en-SG" dirty="0"/>
           </a:p>
         </p:txBody>
       </p:sp>
@@ -28374,19 +27893,63 @@
           <a:p>
             <a:r>
               <a:rPr lang="en-SG" dirty="0"/>
-              <a:t>A model that predicts the valuation of a company by studying all the listed companies in the three major exchanges. </a:t>
+              <a:t>A </a:t>
             </a:r>
-          </a:p>
-          <a:p>
+            <a:r>
+              <a:rPr lang="en-SG" dirty="0">
+                <a:highlight>
+                  <a:srgbClr val="FFFF00"/>
+                </a:highlight>
+              </a:rPr>
+              <a:t>model that predicts the valuation of a company</a:t>
+            </a:r>
             <a:r>
               <a:rPr lang="en-SG" dirty="0"/>
-              <a:t>With such a prediction model, and given the current market valuation of the company, investors can look to invest in such companies, as there is room for the company to grow. </a:t>
+              <a:t> by studying listed companies in the three major exchanges. </a:t>
             </a:r>
           </a:p>
           <a:p>
             <a:r>
               <a:rPr lang="en-SG" dirty="0"/>
-              <a:t>Through this model development, it will also allow investors to know which company’s financial vitals one can look at. </a:t>
+              <a:t>With a prediction model, and the current market capitalisation of the company, the differential between predicted and current market capitalisation, will provide investors </a:t>
+            </a:r>
+            <a:r>
+              <a:rPr lang="en-SG" dirty="0">
+                <a:highlight>
+                  <a:srgbClr val="FFFF00"/>
+                </a:highlight>
+              </a:rPr>
+              <a:t>a list of undervalue/overvalue companies </a:t>
+            </a:r>
+            <a:r>
+              <a:rPr lang="en-SG" dirty="0"/>
+              <a:t>and also </a:t>
+            </a:r>
+            <a:r>
+              <a:rPr lang="en-SG" dirty="0">
+                <a:highlight>
+                  <a:srgbClr val="FFFF00"/>
+                </a:highlight>
+              </a:rPr>
+              <a:t>a target level to exit the investment</a:t>
+            </a:r>
+            <a:r>
+              <a:rPr lang="en-SG" dirty="0"/>
+              <a:t>. </a:t>
+            </a:r>
+          </a:p>
+          <a:p>
+            <a:r>
+              <a:rPr lang="en-SG" dirty="0"/>
+              <a:t>Through this model development, investors are able to determine </a:t>
+            </a:r>
+            <a:r>
+              <a:rPr lang="en-SG" dirty="0">
+                <a:highlight>
+                  <a:srgbClr val="FFFF00"/>
+                </a:highlight>
+              </a:rPr>
+              <a:t>which financial indicators tend to have a positive correlation with market capitalisation.</a:t>
             </a:r>
           </a:p>
         </p:txBody>
@@ -28405,156 +27968,6 @@
 </file>
 
 <file path=ppt/slides/slide4.xml><?xml version="1.0" encoding="utf-8"?>
-<p:sld xmlns:a="http://schemas.openxmlformats.org/drawingml/2006/main" xmlns:r="http://schemas.openxmlformats.org/officeDocument/2006/relationships" xmlns:p="http://schemas.openxmlformats.org/presentationml/2006/main">
-  <p:cSld>
-    <p:spTree>
-      <p:nvGrpSpPr>
-        <p:cNvPr id="1" name=""/>
-        <p:cNvGrpSpPr/>
-        <p:nvPr/>
-      </p:nvGrpSpPr>
-      <p:grpSpPr>
-        <a:xfrm>
-          <a:off x="0" y="0"/>
-          <a:ext cx="0" cy="0"/>
-          <a:chOff x="0" y="0"/>
-          <a:chExt cx="0" cy="0"/>
-        </a:xfrm>
-      </p:grpSpPr>
-      <p:pic>
-        <p:nvPicPr>
-          <p:cNvPr id="4" name="Picture 2" descr="https://singaporemotherhood.com/articles/wp-content/uploads/2017/07/four-multiracial-Singaporean-boys-celebrating-Racial-Harmony-Day-feature-image.jpg"/>
-          <p:cNvPicPr>
-            <a:picLocks noGrp="1" noChangeAspect="1" noChangeArrowheads="1"/>
-          </p:cNvPicPr>
-          <p:nvPr>
-            <p:ph idx="1"/>
-          </p:nvPr>
-        </p:nvPicPr>
-        <p:blipFill>
-          <a:blip r:embed="rId3" cstate="print">
-            <a:extLst>
-              <a:ext uri="{28A0092B-C50C-407E-A947-70E740481C1C}">
-                <a14:useLocalDpi xmlns:a14="http://schemas.microsoft.com/office/drawing/2010/main" val="0"/>
-              </a:ext>
-            </a:extLst>
-          </a:blip>
-          <a:srcRect/>
-          <a:stretch>
-            <a:fillRect/>
-          </a:stretch>
-        </p:blipFill>
-        <p:spPr bwMode="auto">
-          <a:xfrm>
-            <a:off x="176136" y="1912112"/>
-            <a:ext cx="3643579" cy="2426681"/>
-          </a:xfrm>
-          <a:prstGeom prst="rect">
-            <a:avLst/>
-          </a:prstGeom>
-          <a:noFill/>
-          <a:extLst>
-            <a:ext uri="{909E8E84-426E-40DD-AFC4-6F175D3DCCD1}">
-              <a14:hiddenFill xmlns:a14="http://schemas.microsoft.com/office/drawing/2010/main">
-                <a:solidFill>
-                  <a:srgbClr val="FFFFFF"/>
-                </a:solidFill>
-              </a14:hiddenFill>
-            </a:ext>
-          </a:extLst>
-        </p:spPr>
-      </p:pic>
-      <p:sp>
-        <p:nvSpPr>
-          <p:cNvPr id="5" name="Title 4"/>
-          <p:cNvSpPr txBox="1">
-            <a:spLocks noGrp="1"/>
-          </p:cNvSpPr>
-          <p:nvPr>
-            <p:ph type="title"/>
-          </p:nvPr>
-        </p:nvSpPr>
-        <p:spPr>
-          <a:prstGeom prst="rect">
-            <a:avLst/>
-          </a:prstGeom>
-          <a:noFill/>
-        </p:spPr>
-        <p:txBody>
-          <a:bodyPr wrap="none" rtlCol="0">
-            <a:spAutoFit/>
-          </a:bodyPr>
-          <a:lstStyle/>
-          <a:p>
-            <a:r>
-              <a:rPr lang="en-SG" dirty="0"/>
-              <a:t>Snapshot of the market </a:t>
-            </a:r>
-          </a:p>
-        </p:txBody>
-      </p:sp>
-      <p:pic>
-        <p:nvPicPr>
-          <p:cNvPr id="7" name="Picture 6"/>
-          <p:cNvPicPr>
-            <a:picLocks noChangeAspect="1"/>
-          </p:cNvPicPr>
-          <p:nvPr/>
-        </p:nvPicPr>
-        <p:blipFill>
-          <a:blip r:embed="rId4"/>
-          <a:stretch>
-            <a:fillRect/>
-          </a:stretch>
-        </p:blipFill>
-        <p:spPr>
-          <a:xfrm>
-            <a:off x="7909129" y="1912111"/>
-            <a:ext cx="4175833" cy="2426681"/>
-          </a:xfrm>
-          <a:prstGeom prst="rect">
-            <a:avLst/>
-          </a:prstGeom>
-        </p:spPr>
-      </p:pic>
-      <p:pic>
-        <p:nvPicPr>
-          <p:cNvPr id="8" name="Picture 7"/>
-          <p:cNvPicPr>
-            <a:picLocks noChangeAspect="1"/>
-          </p:cNvPicPr>
-          <p:nvPr/>
-        </p:nvPicPr>
-        <p:blipFill>
-          <a:blip r:embed="rId5"/>
-          <a:stretch>
-            <a:fillRect/>
-          </a:stretch>
-        </p:blipFill>
-        <p:spPr>
-          <a:xfrm>
-            <a:off x="3819715" y="1912112"/>
-            <a:ext cx="4022290" cy="2519207"/>
-          </a:xfrm>
-          <a:prstGeom prst="rect">
-            <a:avLst/>
-          </a:prstGeom>
-        </p:spPr>
-      </p:pic>
-    </p:spTree>
-    <p:extLst>
-      <p:ext uri="{BB962C8B-B14F-4D97-AF65-F5344CB8AC3E}">
-        <p14:creationId xmlns:p14="http://schemas.microsoft.com/office/powerpoint/2010/main" val="2874548963"/>
-      </p:ext>
-    </p:extLst>
-  </p:cSld>
-  <p:clrMapOvr>
-    <a:masterClrMapping/>
-  </p:clrMapOvr>
-</p:sld>
-</file>
-
-<file path=ppt/slides/slide5.xml><?xml version="1.0" encoding="utf-8"?>
 <p:sld xmlns:a="http://schemas.openxmlformats.org/drawingml/2006/main" xmlns:r="http://schemas.openxmlformats.org/officeDocument/2006/relationships" xmlns:p="http://schemas.openxmlformats.org/presentationml/2006/main">
   <p:cSld>
     <p:spTree>
@@ -28852,28 +28265,28 @@
             <a:pPr lvl="1"/>
             <a:r>
               <a:rPr lang="en-SG" dirty="0"/>
-              <a:t>No Market Cap </a:t>
+              <a:t>Has no Market Cap </a:t>
             </a:r>
           </a:p>
           <a:p>
             <a:pPr lvl="1"/>
             <a:r>
               <a:rPr lang="en-SG" dirty="0"/>
-              <a:t>No Financial data vitals, P/E , Forward P/E, PEG, Sales Growth etc.</a:t>
+              <a:t>Has no Financial data vitals, P/E , Forward P/E, PEG, Sales Growth etc.</a:t>
             </a:r>
           </a:p>
           <a:p>
             <a:pPr lvl="1"/>
             <a:r>
               <a:rPr lang="en-US" dirty="0"/>
-              <a:t>SPDR S&amp;P 500 ETF Trust</a:t>
+              <a:t>Example: SPDR S&amp;P 500 ETF Trust</a:t>
             </a:r>
           </a:p>
           <a:p>
             <a:pPr lvl="1"/>
             <a:r>
               <a:rPr lang="en-US" dirty="0"/>
-              <a:t>2178 Exchange Traded Funds</a:t>
+              <a:t>2178 Exchange Traded Funds that has no market cap</a:t>
             </a:r>
             <a:endParaRPr lang="en-SG" dirty="0"/>
           </a:p>
@@ -29084,7 +28497,7 @@
 </p:sld>
 </file>
 
-<file path=ppt/slides/slide6.xml><?xml version="1.0" encoding="utf-8"?>
+<file path=ppt/slides/slide5.xml><?xml version="1.0" encoding="utf-8"?>
 <p:sld xmlns:a="http://schemas.openxmlformats.org/drawingml/2006/main" xmlns:r="http://schemas.openxmlformats.org/officeDocument/2006/relationships" xmlns:p="http://schemas.openxmlformats.org/presentationml/2006/main">
   <p:cSld>
     <p:spTree>
@@ -29125,7 +28538,7 @@
             </a:br>
             <a:r>
               <a:rPr lang="en-SG" dirty="0"/>
-              <a:t>US $5 Billion</a:t>
+              <a:t>US $5 Billion TO BE ANALYZED</a:t>
             </a:r>
           </a:p>
         </p:txBody>
@@ -29428,7 +28841,7 @@
             <a:pPr lvl="2"/>
             <a:r>
               <a:rPr lang="en-SG" dirty="0"/>
-              <a:t>1071 listed companies &gt; $US 5 billion valuation , total market cap $US 44.9 trillion</a:t>
+              <a:t>1071 listed companies &gt; US$5 billion valuation, total market cap US$44.9 trillion</a:t>
             </a:r>
           </a:p>
           <a:p>
@@ -29439,7 +28852,7 @@
             <a:pPr lvl="2"/>
             <a:r>
               <a:rPr lang="en-SG" dirty="0"/>
-              <a:t>4269 listed companies are actually &lt; $US 5 billion valuation, total market cap $US 3.8 trillion</a:t>
+              <a:t>4269 listed companies are &lt; US$5 billion valuation, total market cap US$3.8 trillion</a:t>
             </a:r>
           </a:p>
           <a:p>
@@ -29517,7 +28930,7 @@
 </p:sld>
 </file>
 
-<file path=ppt/slides/slide7.xml><?xml version="1.0" encoding="utf-8"?>
+<file path=ppt/slides/slide6.xml><?xml version="1.0" encoding="utf-8"?>
 <p:sld xmlns:a="http://schemas.openxmlformats.org/drawingml/2006/main" xmlns:r="http://schemas.openxmlformats.org/officeDocument/2006/relationships" xmlns:p="http://schemas.openxmlformats.org/presentationml/2006/main">
   <p:cSld>
     <p:spTree>
@@ -29546,12 +28959,21 @@
         </p:nvSpPr>
         <p:spPr/>
         <p:txBody>
-          <a:bodyPr/>
+          <a:bodyPr>
+            <a:normAutofit fontScale="90000"/>
+          </a:bodyPr>
           <a:lstStyle/>
           <a:p>
             <a:r>
               <a:rPr lang="en-SG" dirty="0"/>
-              <a:t>Data Analysis Visualisation - EDA</a:t>
+              <a:t>Data Analysis Visualisation </a:t>
+            </a:r>
+            <a:br>
+              <a:rPr lang="en-SG" dirty="0"/>
+            </a:br>
+            <a:r>
+              <a:rPr lang="en-SG" dirty="0"/>
+              <a:t>- Sector overview – with highest market cap</a:t>
             </a:r>
           </a:p>
         </p:txBody>
@@ -29672,7 +29094,7 @@
 </p:sld>
 </file>
 
-<file path=ppt/slides/slide8.xml><?xml version="1.0" encoding="utf-8"?>
+<file path=ppt/slides/slide7.xml><?xml version="1.0" encoding="utf-8"?>
 <p:sld xmlns:a="http://schemas.openxmlformats.org/drawingml/2006/main" xmlns:r="http://schemas.openxmlformats.org/officeDocument/2006/relationships" xmlns:p="http://schemas.openxmlformats.org/presentationml/2006/main">
   <p:cSld>
     <p:spTree>
@@ -29701,12 +29123,21 @@
         </p:nvSpPr>
         <p:spPr/>
         <p:txBody>
-          <a:bodyPr/>
+          <a:bodyPr>
+            <a:normAutofit fontScale="90000"/>
+          </a:bodyPr>
           <a:lstStyle/>
           <a:p>
             <a:r>
               <a:rPr lang="en-SG" dirty="0"/>
-              <a:t>Data Analysis Visualisation - INDUSTRIES</a:t>
+              <a:t>Data Analysis Visualisation</a:t>
+            </a:r>
+            <a:br>
+              <a:rPr lang="en-SG" dirty="0"/>
+            </a:br>
+            <a:r>
+              <a:rPr lang="en-SG" dirty="0"/>
+              <a:t>- industry overview – with highest market cap</a:t>
             </a:r>
           </a:p>
         </p:txBody>
@@ -30038,7 +29469,7 @@
 </p:sld>
 </file>
 
-<file path=ppt/slides/slide9.xml><?xml version="1.0" encoding="utf-8"?>
+<file path=ppt/slides/slide8.xml><?xml version="1.0" encoding="utf-8"?>
 <p:sld xmlns:a="http://schemas.openxmlformats.org/drawingml/2006/main" xmlns:r="http://schemas.openxmlformats.org/officeDocument/2006/relationships" xmlns:p="http://schemas.openxmlformats.org/presentationml/2006/main">
   <p:cSld>
     <p:spTree>
@@ -30072,12 +29503,21 @@
           </a:xfrm>
         </p:spPr>
         <p:txBody>
-          <a:bodyPr/>
+          <a:bodyPr>
+            <a:normAutofit fontScale="90000"/>
+          </a:bodyPr>
           <a:lstStyle/>
           <a:p>
             <a:r>
               <a:rPr lang="en-SG" dirty="0"/>
-              <a:t>Data Analysis Visualisation - INDUSTRIES</a:t>
+              <a:t>Data Analysis Visualisation</a:t>
+            </a:r>
+            <a:br>
+              <a:rPr lang="en-SG" dirty="0"/>
+            </a:br>
+            <a:r>
+              <a:rPr lang="en-SG" dirty="0"/>
+              <a:t>- industry overview – with highest market cap</a:t>
             </a:r>
           </a:p>
         </p:txBody>
@@ -30099,7 +29539,7 @@
         </p:blipFill>
         <p:spPr>
           <a:xfrm>
-            <a:off x="429893" y="1788160"/>
+            <a:off x="368933" y="1902369"/>
             <a:ext cx="8734425" cy="2062480"/>
           </a:xfrm>
           <a:prstGeom prst="rect">
@@ -30208,7 +29648,7 @@
         </p:nvSpPr>
         <p:spPr>
           <a:xfrm>
-            <a:off x="1473200" y="3658156"/>
+            <a:off x="1473200" y="3739436"/>
             <a:ext cx="6289040" cy="162560"/>
           </a:xfrm>
           <a:prstGeom prst="rect">
@@ -30296,6 +29736,435 @@
     <p:extLst>
       <p:ext uri="{BB962C8B-B14F-4D97-AF65-F5344CB8AC3E}">
         <p14:creationId xmlns:p14="http://schemas.microsoft.com/office/powerpoint/2010/main" val="734260082"/>
+      </p:ext>
+    </p:extLst>
+  </p:cSld>
+  <p:clrMapOvr>
+    <a:masterClrMapping/>
+  </p:clrMapOvr>
+</p:sld>
+</file>
+
+<file path=ppt/slides/slide9.xml><?xml version="1.0" encoding="utf-8"?>
+<p:sld xmlns:a="http://schemas.openxmlformats.org/drawingml/2006/main" xmlns:r="http://schemas.openxmlformats.org/officeDocument/2006/relationships" xmlns:p="http://schemas.openxmlformats.org/presentationml/2006/main">
+  <p:cSld>
+    <p:spTree>
+      <p:nvGrpSpPr>
+        <p:cNvPr id="1" name=""/>
+        <p:cNvGrpSpPr/>
+        <p:nvPr/>
+      </p:nvGrpSpPr>
+      <p:grpSpPr>
+        <a:xfrm>
+          <a:off x="0" y="0"/>
+          <a:ext cx="0" cy="0"/>
+          <a:chOff x="0" y="0"/>
+          <a:chExt cx="0" cy="0"/>
+        </a:xfrm>
+      </p:grpSpPr>
+      <p:sp>
+        <p:nvSpPr>
+          <p:cNvPr id="7" name="Title 1"/>
+          <p:cNvSpPr txBox="1">
+            <a:spLocks/>
+          </p:cNvSpPr>
+          <p:nvPr/>
+        </p:nvSpPr>
+        <p:spPr>
+          <a:xfrm>
+            <a:off x="888631" y="2349925"/>
+            <a:ext cx="3498979" cy="2456442"/>
+          </a:xfrm>
+          <a:prstGeom prst="rect">
+            <a:avLst/>
+          </a:prstGeom>
+        </p:spPr>
+        <p:txBody>
+          <a:bodyPr vert="horz" lIns="228600" tIns="228600" rIns="228600" bIns="228600" rtlCol="0" anchor="ctr">
+            <a:normAutofit/>
+          </a:bodyPr>
+          <a:lstStyle>
+            <a:lvl1pPr algn="ctr" defTabSz="914400" rtl="0" eaLnBrk="1" latinLnBrk="0" hangingPunct="1">
+              <a:lnSpc>
+                <a:spcPct val="85000"/>
+              </a:lnSpc>
+              <a:spcBef>
+                <a:spcPct val="0"/>
+              </a:spcBef>
+              <a:buNone/>
+              <a:defRPr sz="4000" b="0" i="0" kern="1200" cap="none" spc="-150">
+                <a:solidFill>
+                  <a:srgbClr val="FFFEFF"/>
+                </a:solidFill>
+                <a:effectLst/>
+                <a:latin typeface="+mj-lt"/>
+                <a:ea typeface="+mj-ea"/>
+                <a:cs typeface="+mj-cs"/>
+              </a:defRPr>
+            </a:lvl1pPr>
+          </a:lstStyle>
+          <a:p>
+            <a:r>
+              <a:rPr lang="en-SG" dirty="0"/>
+              <a:t>Data Analysis</a:t>
+            </a:r>
+          </a:p>
+          <a:p>
+            <a:r>
+              <a:rPr lang="en-SG" dirty="0"/>
+              <a:t>via EDA</a:t>
+            </a:r>
+          </a:p>
+        </p:txBody>
+      </p:sp>
+      <p:pic>
+        <p:nvPicPr>
+          <p:cNvPr id="3" name="Picture 2"/>
+          <p:cNvPicPr>
+            <a:picLocks noChangeAspect="1"/>
+          </p:cNvPicPr>
+          <p:nvPr/>
+        </p:nvPicPr>
+        <p:blipFill>
+          <a:blip r:embed="rId2"/>
+          <a:stretch>
+            <a:fillRect/>
+          </a:stretch>
+        </p:blipFill>
+        <p:spPr>
+          <a:xfrm>
+            <a:off x="101141" y="2101843"/>
+            <a:ext cx="9327339" cy="831066"/>
+          </a:xfrm>
+          <a:prstGeom prst="rect">
+            <a:avLst/>
+          </a:prstGeom>
+        </p:spPr>
+      </p:pic>
+      <p:sp>
+        <p:nvSpPr>
+          <p:cNvPr id="6" name="TextBox 5"/>
+          <p:cNvSpPr txBox="1"/>
+          <p:nvPr/>
+        </p:nvSpPr>
+        <p:spPr>
+          <a:xfrm>
+            <a:off x="9574617" y="2194210"/>
+            <a:ext cx="2180277" cy="523220"/>
+          </a:xfrm>
+          <a:prstGeom prst="rect">
+            <a:avLst/>
+          </a:prstGeom>
+          <a:noFill/>
+        </p:spPr>
+        <p:txBody>
+          <a:bodyPr wrap="none" rtlCol="0">
+            <a:spAutoFit/>
+          </a:bodyPr>
+          <a:lstStyle/>
+          <a:p>
+            <a:r>
+              <a:rPr lang="en-SG" sz="1400" dirty="0"/>
+              <a:t>Energy</a:t>
+            </a:r>
+          </a:p>
+          <a:p>
+            <a:r>
+              <a:rPr lang="en-SG" sz="1400" dirty="0"/>
+              <a:t>	Oil &amp; Gas Integrated</a:t>
+            </a:r>
+          </a:p>
+        </p:txBody>
+      </p:sp>
+      <p:pic>
+        <p:nvPicPr>
+          <p:cNvPr id="9" name="Picture 8"/>
+          <p:cNvPicPr>
+            <a:picLocks noChangeAspect="1"/>
+          </p:cNvPicPr>
+          <p:nvPr/>
+        </p:nvPicPr>
+        <p:blipFill rotWithShape="1">
+          <a:blip r:embed="rId3"/>
+          <a:srcRect t="4862" r="1340" b="6683"/>
+          <a:stretch/>
+        </p:blipFill>
+        <p:spPr>
+          <a:xfrm>
+            <a:off x="363121" y="3301549"/>
+            <a:ext cx="9105999" cy="1036320"/>
+          </a:xfrm>
+          <a:prstGeom prst="rect">
+            <a:avLst/>
+          </a:prstGeom>
+        </p:spPr>
+      </p:pic>
+      <p:sp>
+        <p:nvSpPr>
+          <p:cNvPr id="12" name="TextBox 11"/>
+          <p:cNvSpPr txBox="1"/>
+          <p:nvPr/>
+        </p:nvSpPr>
+        <p:spPr>
+          <a:xfrm>
+            <a:off x="9428480" y="3445226"/>
+            <a:ext cx="2637396" cy="523220"/>
+          </a:xfrm>
+          <a:prstGeom prst="rect">
+            <a:avLst/>
+          </a:prstGeom>
+          <a:noFill/>
+        </p:spPr>
+        <p:txBody>
+          <a:bodyPr wrap="square" rtlCol="0">
+            <a:spAutoFit/>
+          </a:bodyPr>
+          <a:lstStyle/>
+          <a:p>
+            <a:r>
+              <a:rPr lang="en-SG" sz="1400" dirty="0"/>
+              <a:t>Healthcare</a:t>
+            </a:r>
+          </a:p>
+          <a:p>
+            <a:r>
+              <a:rPr lang="en-SG" sz="1400" dirty="0"/>
+              <a:t>	Drug Manufacturers</a:t>
+            </a:r>
+          </a:p>
+        </p:txBody>
+      </p:sp>
+      <p:pic>
+        <p:nvPicPr>
+          <p:cNvPr id="10" name="Picture 9"/>
+          <p:cNvPicPr>
+            <a:picLocks noChangeAspect="1"/>
+          </p:cNvPicPr>
+          <p:nvPr/>
+        </p:nvPicPr>
+        <p:blipFill rotWithShape="1">
+          <a:blip r:embed="rId4"/>
+          <a:srcRect r="1307" b="4880"/>
+          <a:stretch/>
+        </p:blipFill>
+        <p:spPr>
+          <a:xfrm>
+            <a:off x="322481" y="4855021"/>
+            <a:ext cx="9146639" cy="1159699"/>
+          </a:xfrm>
+          <a:prstGeom prst="rect">
+            <a:avLst/>
+          </a:prstGeom>
+        </p:spPr>
+      </p:pic>
+      <p:sp>
+        <p:nvSpPr>
+          <p:cNvPr id="13" name="TextBox 12"/>
+          <p:cNvSpPr txBox="1"/>
+          <p:nvPr/>
+        </p:nvSpPr>
+        <p:spPr>
+          <a:xfrm>
+            <a:off x="9694939" y="5173260"/>
+            <a:ext cx="1704313" cy="523220"/>
+          </a:xfrm>
+          <a:prstGeom prst="rect">
+            <a:avLst/>
+          </a:prstGeom>
+          <a:noFill/>
+        </p:spPr>
+        <p:txBody>
+          <a:bodyPr wrap="none" rtlCol="0">
+            <a:spAutoFit/>
+          </a:bodyPr>
+          <a:lstStyle/>
+          <a:p>
+            <a:r>
+              <a:rPr lang="en-SG" sz="1400" dirty="0"/>
+              <a:t>Consumer Defensive</a:t>
+            </a:r>
+          </a:p>
+          <a:p>
+            <a:r>
+              <a:rPr lang="en-SG" sz="1400" dirty="0"/>
+              <a:t>	Discount Stores</a:t>
+            </a:r>
+          </a:p>
+        </p:txBody>
+      </p:sp>
+      <p:sp>
+        <p:nvSpPr>
+          <p:cNvPr id="14" name="Title 13"/>
+          <p:cNvSpPr>
+            <a:spLocks noGrp="1"/>
+          </p:cNvSpPr>
+          <p:nvPr>
+            <p:ph type="title"/>
+          </p:nvPr>
+        </p:nvSpPr>
+        <p:spPr/>
+        <p:txBody>
+          <a:bodyPr>
+            <a:normAutofit fontScale="90000"/>
+          </a:bodyPr>
+          <a:lstStyle/>
+          <a:p>
+            <a:r>
+              <a:rPr lang="en-SG" dirty="0"/>
+              <a:t>Data Analysis Visualisation</a:t>
+            </a:r>
+            <a:br>
+              <a:rPr lang="en-SG" dirty="0"/>
+            </a:br>
+            <a:r>
+              <a:rPr lang="en-SG" dirty="0"/>
+              <a:t> - industry overview – with highest market cap</a:t>
+            </a:r>
+          </a:p>
+        </p:txBody>
+      </p:sp>
+      <p:sp>
+        <p:nvSpPr>
+          <p:cNvPr id="15" name="Rectangle 14"/>
+          <p:cNvSpPr/>
+          <p:nvPr/>
+        </p:nvSpPr>
+        <p:spPr>
+          <a:xfrm>
+            <a:off x="1341120" y="2601984"/>
+            <a:ext cx="6289040" cy="162560"/>
+          </a:xfrm>
+          <a:prstGeom prst="rect">
+            <a:avLst/>
+          </a:prstGeom>
+          <a:noFill/>
+          <a:ln>
+            <a:solidFill>
+              <a:srgbClr val="FF0000"/>
+            </a:solidFill>
+          </a:ln>
+        </p:spPr>
+        <p:style>
+          <a:lnRef idx="2">
+            <a:schemeClr val="accent1">
+              <a:shade val="50000"/>
+            </a:schemeClr>
+          </a:lnRef>
+          <a:fillRef idx="1">
+            <a:schemeClr val="accent1"/>
+          </a:fillRef>
+          <a:effectRef idx="0">
+            <a:schemeClr val="accent1"/>
+          </a:effectRef>
+          <a:fontRef idx="minor">
+            <a:schemeClr val="lt1"/>
+          </a:fontRef>
+        </p:style>
+        <p:txBody>
+          <a:bodyPr rtlCol="0" anchor="ctr"/>
+          <a:lstStyle/>
+          <a:p>
+            <a:pPr algn="ctr"/>
+            <a:endParaRPr lang="en-SG"/>
+          </a:p>
+        </p:txBody>
+      </p:sp>
+      <p:sp>
+        <p:nvSpPr>
+          <p:cNvPr id="16" name="Rectangle 15"/>
+          <p:cNvSpPr/>
+          <p:nvPr/>
+        </p:nvSpPr>
+        <p:spPr>
+          <a:xfrm>
+            <a:off x="917600" y="3928997"/>
+            <a:ext cx="8094319" cy="162560"/>
+          </a:xfrm>
+          <a:prstGeom prst="rect">
+            <a:avLst/>
+          </a:prstGeom>
+          <a:noFill/>
+          <a:ln>
+            <a:solidFill>
+              <a:srgbClr val="FF0000"/>
+            </a:solidFill>
+          </a:ln>
+        </p:spPr>
+        <p:style>
+          <a:lnRef idx="2">
+            <a:schemeClr val="accent1">
+              <a:shade val="50000"/>
+            </a:schemeClr>
+          </a:lnRef>
+          <a:fillRef idx="1">
+            <a:schemeClr val="accent1"/>
+          </a:fillRef>
+          <a:effectRef idx="0">
+            <a:schemeClr val="accent1"/>
+          </a:effectRef>
+          <a:fontRef idx="minor">
+            <a:schemeClr val="lt1"/>
+          </a:fontRef>
+        </p:style>
+        <p:txBody>
+          <a:bodyPr rtlCol="0" anchor="ctr"/>
+          <a:lstStyle/>
+          <a:p>
+            <a:pPr algn="ctr"/>
+            <a:endParaRPr lang="en-SG"/>
+          </a:p>
+        </p:txBody>
+      </p:sp>
+      <p:sp>
+        <p:nvSpPr>
+          <p:cNvPr id="17" name="Rectangle 16"/>
+          <p:cNvSpPr/>
+          <p:nvPr/>
+        </p:nvSpPr>
+        <p:spPr>
+          <a:xfrm>
+            <a:off x="1024128" y="5473306"/>
+            <a:ext cx="6289040" cy="162560"/>
+          </a:xfrm>
+          <a:prstGeom prst="rect">
+            <a:avLst/>
+          </a:prstGeom>
+          <a:noFill/>
+          <a:ln>
+            <a:solidFill>
+              <a:srgbClr val="FF0000"/>
+            </a:solidFill>
+          </a:ln>
+        </p:spPr>
+        <p:style>
+          <a:lnRef idx="2">
+            <a:schemeClr val="accent1">
+              <a:shade val="50000"/>
+            </a:schemeClr>
+          </a:lnRef>
+          <a:fillRef idx="1">
+            <a:schemeClr val="accent1"/>
+          </a:fillRef>
+          <a:effectRef idx="0">
+            <a:schemeClr val="accent1"/>
+          </a:effectRef>
+          <a:fontRef idx="minor">
+            <a:schemeClr val="lt1"/>
+          </a:fontRef>
+        </p:style>
+        <p:txBody>
+          <a:bodyPr rtlCol="0" anchor="ctr"/>
+          <a:lstStyle/>
+          <a:p>
+            <a:pPr algn="ctr"/>
+            <a:endParaRPr lang="en-SG"/>
+          </a:p>
+        </p:txBody>
+      </p:sp>
+    </p:spTree>
+    <p:extLst>
+      <p:ext uri="{BB962C8B-B14F-4D97-AF65-F5344CB8AC3E}">
+        <p14:creationId xmlns:p14="http://schemas.microsoft.com/office/powerpoint/2010/main" val="1587107301"/>
       </p:ext>
     </p:extLst>
   </p:cSld>
